--- a/docs/diagrams/UiComponentClassDiagram.pptx
+++ b/docs/diagrams/UiComponentClassDiagram.pptx
@@ -208,7 +208,7 @@
           <a:p>
             <a:fld id="{F5CC4B3F-88C1-4FFA-B1B6-F41C21DC6924}" type="datetimeFigureOut">
               <a:rPr lang="en-US" smtClean="0"/>
-              <a:t>1/7/2017</a:t>
+              <a:t>10/29/18</a:t>
             </a:fld>
             <a:endParaRPr lang="en-US"/>
           </a:p>
@@ -654,7 +654,7 @@
           <a:p>
             <a:fld id="{78C97017-6FC3-485B-9764-EAC9E56C1D49}" type="datetimeFigureOut">
               <a:rPr lang="en-US" smtClean="0"/>
-              <a:t>1/7/2017</a:t>
+              <a:t>10/29/18</a:t>
             </a:fld>
             <a:endParaRPr lang="en-US"/>
           </a:p>
@@ -822,7 +822,7 @@
           <a:p>
             <a:fld id="{78C97017-6FC3-485B-9764-EAC9E56C1D49}" type="datetimeFigureOut">
               <a:rPr lang="en-US" smtClean="0"/>
-              <a:t>1/7/2017</a:t>
+              <a:t>10/29/18</a:t>
             </a:fld>
             <a:endParaRPr lang="en-US"/>
           </a:p>
@@ -1000,7 +1000,7 @@
           <a:p>
             <a:fld id="{78C97017-6FC3-485B-9764-EAC9E56C1D49}" type="datetimeFigureOut">
               <a:rPr lang="en-US" smtClean="0"/>
-              <a:t>1/7/2017</a:t>
+              <a:t>10/29/18</a:t>
             </a:fld>
             <a:endParaRPr lang="en-US"/>
           </a:p>
@@ -1168,7 +1168,7 @@
           <a:p>
             <a:fld id="{78C97017-6FC3-485B-9764-EAC9E56C1D49}" type="datetimeFigureOut">
               <a:rPr lang="en-US" smtClean="0"/>
-              <a:t>1/7/2017</a:t>
+              <a:t>10/29/18</a:t>
             </a:fld>
             <a:endParaRPr lang="en-US"/>
           </a:p>
@@ -1413,7 +1413,7 @@
           <a:p>
             <a:fld id="{78C97017-6FC3-485B-9764-EAC9E56C1D49}" type="datetimeFigureOut">
               <a:rPr lang="en-US" smtClean="0"/>
-              <a:t>1/7/2017</a:t>
+              <a:t>10/29/18</a:t>
             </a:fld>
             <a:endParaRPr lang="en-US"/>
           </a:p>
@@ -1698,7 +1698,7 @@
           <a:p>
             <a:fld id="{78C97017-6FC3-485B-9764-EAC9E56C1D49}" type="datetimeFigureOut">
               <a:rPr lang="en-US" smtClean="0"/>
-              <a:t>1/7/2017</a:t>
+              <a:t>10/29/18</a:t>
             </a:fld>
             <a:endParaRPr lang="en-US"/>
           </a:p>
@@ -2117,7 +2117,7 @@
           <a:p>
             <a:fld id="{78C97017-6FC3-485B-9764-EAC9E56C1D49}" type="datetimeFigureOut">
               <a:rPr lang="en-US" smtClean="0"/>
-              <a:t>1/7/2017</a:t>
+              <a:t>10/29/18</a:t>
             </a:fld>
             <a:endParaRPr lang="en-US"/>
           </a:p>
@@ -2234,7 +2234,7 @@
           <a:p>
             <a:fld id="{78C97017-6FC3-485B-9764-EAC9E56C1D49}" type="datetimeFigureOut">
               <a:rPr lang="en-US" smtClean="0"/>
-              <a:t>1/7/2017</a:t>
+              <a:t>10/29/18</a:t>
             </a:fld>
             <a:endParaRPr lang="en-US"/>
           </a:p>
@@ -2329,7 +2329,7 @@
           <a:p>
             <a:fld id="{78C97017-6FC3-485B-9764-EAC9E56C1D49}" type="datetimeFigureOut">
               <a:rPr lang="en-US" smtClean="0"/>
-              <a:t>1/7/2017</a:t>
+              <a:t>10/29/18</a:t>
             </a:fld>
             <a:endParaRPr lang="en-US"/>
           </a:p>
@@ -2604,7 +2604,7 @@
           <a:p>
             <a:fld id="{78C97017-6FC3-485B-9764-EAC9E56C1D49}" type="datetimeFigureOut">
               <a:rPr lang="en-US" smtClean="0"/>
-              <a:t>1/7/2017</a:t>
+              <a:t>10/29/18</a:t>
             </a:fld>
             <a:endParaRPr lang="en-US"/>
           </a:p>
@@ -2856,7 +2856,7 @@
           <a:p>
             <a:fld id="{78C97017-6FC3-485B-9764-EAC9E56C1D49}" type="datetimeFigureOut">
               <a:rPr lang="en-US" smtClean="0"/>
-              <a:t>1/7/2017</a:t>
+              <a:t>10/29/18</a:t>
             </a:fld>
             <a:endParaRPr lang="en-US"/>
           </a:p>
@@ -3067,7 +3067,7 @@
           <a:p>
             <a:fld id="{78C97017-6FC3-485B-9764-EAC9E56C1D49}" type="datetimeFigureOut">
               <a:rPr lang="en-US" smtClean="0"/>
-              <a:t>1/7/2017</a:t>
+              <a:t>10/29/18</a:t>
             </a:fld>
             <a:endParaRPr lang="en-US"/>
           </a:p>
@@ -3450,8 +3450,8 @@
         </p:nvSpPr>
         <p:spPr>
           <a:xfrm>
-            <a:off x="1217465" y="1447800"/>
-            <a:ext cx="4917083" cy="3962400"/>
+            <a:off x="1217465" y="1447799"/>
+            <a:ext cx="4917083" cy="4343399"/>
           </a:xfrm>
           <a:prstGeom prst="roundRect">
             <a:avLst>
@@ -3573,7 +3573,7 @@
         <p:spPr>
           <a:xfrm>
             <a:off x="2592528" y="2971800"/>
-            <a:ext cx="1093635" cy="236841"/>
+            <a:ext cx="1245066" cy="236841"/>
           </a:xfrm>
           <a:prstGeom prst="rect">
             <a:avLst/>
@@ -3885,8 +3885,8 @@
         </p:nvSpPr>
         <p:spPr>
           <a:xfrm>
-            <a:off x="2592528" y="3649359"/>
-            <a:ext cx="1093635" cy="236841"/>
+            <a:off x="2591662" y="4377909"/>
+            <a:ext cx="1246796" cy="236841"/>
           </a:xfrm>
           <a:prstGeom prst="rect">
             <a:avLst/>
@@ -3925,7 +3925,7 @@
                   </a:schemeClr>
                 </a:solidFill>
               </a:rPr>
-              <a:t>BrowserPanel</a:t>
+              <a:t>FindModulePanel</a:t>
             </a:r>
             <a:endParaRPr lang="en-SG" sz="1050" b="1" dirty="0">
               <a:solidFill>
@@ -3945,8 +3945,8 @@
         </p:nvSpPr>
         <p:spPr>
           <a:xfrm>
-            <a:off x="2592527" y="4563759"/>
-            <a:ext cx="1093635" cy="236841"/>
+            <a:off x="2592526" y="5152129"/>
+            <a:ext cx="1245067" cy="236841"/>
           </a:xfrm>
           <a:prstGeom prst="rect">
             <a:avLst/>
@@ -4005,8 +4005,8 @@
         </p:nvSpPr>
         <p:spPr>
           <a:xfrm>
-            <a:off x="2592526" y="3991960"/>
-            <a:ext cx="1093635" cy="236841"/>
+            <a:off x="2592526" y="4707931"/>
+            <a:ext cx="1245068" cy="236841"/>
           </a:xfrm>
           <a:prstGeom prst="rect">
             <a:avLst/>
@@ -4045,7 +4045,7 @@
                   </a:schemeClr>
                 </a:solidFill>
               </a:rPr>
-              <a:t>PersonListPanel</a:t>
+              <a:t>ModuleListPanel</a:t>
             </a:r>
             <a:endParaRPr lang="en-SG" sz="1050" b="1" dirty="0">
               <a:solidFill>
@@ -4065,7 +4065,7 @@
         </p:nvSpPr>
         <p:spPr>
           <a:xfrm>
-            <a:off x="3839323" y="4228801"/>
+            <a:off x="4038600" y="4924748"/>
             <a:ext cx="1040906" cy="236841"/>
           </a:xfrm>
           <a:prstGeom prst="rect">
@@ -4105,7 +4105,7 @@
                   </a:schemeClr>
                 </a:solidFill>
               </a:rPr>
-              <a:t>PersonCard</a:t>
+              <a:t>ModuleCard</a:t>
             </a:r>
             <a:endParaRPr lang="en-SG" sz="1050" b="1" dirty="0">
               <a:solidFill>
@@ -4125,8 +4125,8 @@
         </p:nvSpPr>
         <p:spPr>
           <a:xfrm>
-            <a:off x="2592528" y="4966000"/>
-            <a:ext cx="1093635" cy="236841"/>
+            <a:off x="2599445" y="5478159"/>
+            <a:ext cx="1238148" cy="236841"/>
           </a:xfrm>
           <a:prstGeom prst="rect">
             <a:avLst/>
@@ -4229,6 +4229,7 @@
         <p:nvCxnSpPr>
           <p:cNvPr id="40" name="Elbow Connector 63"/>
           <p:cNvCxnSpPr>
+            <a:cxnSpLocks/>
             <a:stCxn id="39" idx="2"/>
             <a:endCxn id="3" idx="1"/>
           </p:cNvCxnSpPr>
@@ -4274,8 +4275,8 @@
         </p:nvSpPr>
         <p:spPr>
           <a:xfrm>
-            <a:off x="2590799" y="3304308"/>
-            <a:ext cx="1095361" cy="236841"/>
+            <a:off x="2590798" y="3304308"/>
+            <a:ext cx="1246797" cy="236841"/>
           </a:xfrm>
           <a:prstGeom prst="rect">
             <a:avLst/>
@@ -4330,6 +4331,7 @@
         <p:nvCxnSpPr>
           <p:cNvPr id="44" name="Elbow Connector 63"/>
           <p:cNvCxnSpPr>
+            <a:cxnSpLocks/>
             <a:stCxn id="39" idx="2"/>
             <a:endCxn id="34" idx="1"/>
           </p:cNvCxnSpPr>
@@ -4337,8 +4339,8 @@
         </p:nvCxnSpPr>
         <p:spPr>
           <a:xfrm rot="16200000" flipH="1">
-            <a:off x="2054450" y="3229701"/>
-            <a:ext cx="899755" cy="176402"/>
+            <a:off x="1689742" y="3594409"/>
+            <a:ext cx="1628305" cy="175536"/>
           </a:xfrm>
           <a:prstGeom prst="bentConnector2">
             <a:avLst/>
@@ -4371,6 +4373,7 @@
         <p:nvCxnSpPr>
           <p:cNvPr id="47" name="Elbow Connector 63"/>
           <p:cNvCxnSpPr>
+            <a:cxnSpLocks/>
             <a:stCxn id="39" idx="2"/>
             <a:endCxn id="36" idx="1"/>
           </p:cNvCxnSpPr>
@@ -4378,8 +4381,8 @@
         </p:nvCxnSpPr>
         <p:spPr>
           <a:xfrm rot="16200000" flipH="1">
-            <a:off x="1883148" y="3401003"/>
-            <a:ext cx="1242356" cy="176400"/>
+            <a:off x="1525163" y="3758988"/>
+            <a:ext cx="1958327" cy="176400"/>
           </a:xfrm>
           <a:prstGeom prst="bentConnector2">
             <a:avLst/>
@@ -4412,6 +4415,7 @@
         <p:nvCxnSpPr>
           <p:cNvPr id="50" name="Elbow Connector 63"/>
           <p:cNvCxnSpPr>
+            <a:cxnSpLocks/>
             <a:stCxn id="39" idx="2"/>
             <a:endCxn id="35" idx="1"/>
           </p:cNvCxnSpPr>
@@ -4419,8 +4423,8 @@
         </p:nvCxnSpPr>
         <p:spPr>
           <a:xfrm rot="16200000" flipH="1">
-            <a:off x="1597249" y="3686901"/>
-            <a:ext cx="1814155" cy="176401"/>
+            <a:off x="1303064" y="3981087"/>
+            <a:ext cx="2402525" cy="176400"/>
           </a:xfrm>
           <a:prstGeom prst="bentConnector2">
             <a:avLst/>
@@ -4453,14 +4457,15 @@
         <p:nvCxnSpPr>
           <p:cNvPr id="53" name="Elbow Connector 63"/>
           <p:cNvCxnSpPr>
+            <a:cxnSpLocks/>
             <a:endCxn id="38" idx="1"/>
           </p:cNvCxnSpPr>
           <p:nvPr/>
         </p:nvCxnSpPr>
         <p:spPr>
           <a:xfrm rot="16200000" flipH="1">
-            <a:off x="1184119" y="3676012"/>
-            <a:ext cx="2396440" cy="420377"/>
+            <a:off x="947358" y="3944493"/>
+            <a:ext cx="2908598" cy="395576"/>
           </a:xfrm>
           <a:prstGeom prst="bentConnector2">
             <a:avLst/>
@@ -4572,6 +4577,7 @@
         <p:nvCxnSpPr>
           <p:cNvPr id="74" name="Elbow Connector 63"/>
           <p:cNvCxnSpPr>
+            <a:cxnSpLocks/>
             <a:stCxn id="43" idx="3"/>
             <a:endCxn id="16" idx="3"/>
           </p:cNvCxnSpPr>
@@ -4579,8 +4585,8 @@
         </p:nvCxnSpPr>
         <p:spPr>
           <a:xfrm flipV="1">
-            <a:off x="3686160" y="2286000"/>
-            <a:ext cx="1843809" cy="1136729"/>
+            <a:off x="3837595" y="2286000"/>
+            <a:ext cx="1692374" cy="1136729"/>
           </a:xfrm>
           <a:prstGeom prst="bentConnector2">
             <a:avLst/>
@@ -4620,8 +4626,8 @@
         </p:nvCxnSpPr>
         <p:spPr>
           <a:xfrm rot="5400000">
-            <a:off x="4174488" y="2991741"/>
-            <a:ext cx="2061222" cy="649740"/>
+            <a:off x="3926154" y="3439353"/>
+            <a:ext cx="2757169" cy="450463"/>
           </a:xfrm>
           <a:prstGeom prst="bentConnector2">
             <a:avLst/>
@@ -4654,15 +4660,15 @@
         <p:nvCxnSpPr>
           <p:cNvPr id="82" name="Elbow Connector 63"/>
           <p:cNvCxnSpPr>
-            <a:stCxn id="16" idx="3"/>
+            <a:cxnSpLocks/>
             <a:endCxn id="34" idx="3"/>
           </p:cNvCxnSpPr>
           <p:nvPr/>
         </p:nvCxnSpPr>
         <p:spPr>
           <a:xfrm rot="5400000">
-            <a:off x="3867176" y="2104987"/>
-            <a:ext cx="1481780" cy="1843806"/>
+            <a:off x="3942891" y="2910118"/>
+            <a:ext cx="1481780" cy="1690645"/>
           </a:xfrm>
           <a:prstGeom prst="bentConnector2">
             <a:avLst/>
@@ -4736,6 +4742,7 @@
         <p:nvCxnSpPr>
           <p:cNvPr id="91" name="Elbow Connector 63"/>
           <p:cNvCxnSpPr>
+            <a:cxnSpLocks/>
             <a:stCxn id="16" idx="3"/>
             <a:endCxn id="35" idx="3"/>
           </p:cNvCxnSpPr>
@@ -4743,8 +4750,8 @@
         </p:nvCxnSpPr>
         <p:spPr>
           <a:xfrm rot="5400000">
-            <a:off x="3409976" y="2562187"/>
-            <a:ext cx="2396180" cy="1843807"/>
+            <a:off x="3191506" y="2932087"/>
+            <a:ext cx="2984550" cy="1692376"/>
           </a:xfrm>
           <a:prstGeom prst="bentConnector2">
             <a:avLst/>
@@ -4777,6 +4784,7 @@
         <p:nvCxnSpPr>
           <p:cNvPr id="94" name="Elbow Connector 63"/>
           <p:cNvCxnSpPr>
+            <a:cxnSpLocks/>
             <a:stCxn id="16" idx="3"/>
             <a:endCxn id="38" idx="3"/>
           </p:cNvCxnSpPr>
@@ -4784,8 +4792,8 @@
         </p:nvCxnSpPr>
         <p:spPr>
           <a:xfrm rot="5400000">
-            <a:off x="3208856" y="2763307"/>
-            <a:ext cx="2798421" cy="1843806"/>
+            <a:off x="3028491" y="3095102"/>
+            <a:ext cx="3310580" cy="1692376"/>
           </a:xfrm>
           <a:prstGeom prst="bentConnector2">
             <a:avLst/>
@@ -4863,7 +4871,7 @@
         </p:nvSpPr>
         <p:spPr>
           <a:xfrm rot="16200000">
-            <a:off x="6213739" y="4560376"/>
+            <a:off x="6213739" y="4712778"/>
             <a:ext cx="1371599" cy="328045"/>
           </a:xfrm>
           <a:prstGeom prst="roundRect">
@@ -5079,6 +5087,7 @@
         <p:nvCxnSpPr>
           <p:cNvPr id="131" name="Elbow Connector 130"/>
           <p:cNvCxnSpPr>
+            <a:cxnSpLocks/>
             <a:stCxn id="39" idx="2"/>
             <a:endCxn id="43" idx="1"/>
           </p:cNvCxnSpPr>
@@ -5086,8 +5095,8 @@
         </p:nvCxnSpPr>
         <p:spPr>
           <a:xfrm rot="16200000" flipH="1">
-            <a:off x="2226110" y="3058040"/>
-            <a:ext cx="554704" cy="174673"/>
+            <a:off x="2226110" y="3058041"/>
+            <a:ext cx="554704" cy="174672"/>
           </a:xfrm>
           <a:prstGeom prst="bentConnector2">
             <a:avLst/>
@@ -5120,6 +5129,7 @@
         <p:nvCxnSpPr>
           <p:cNvPr id="132" name="Elbow Connector 63"/>
           <p:cNvCxnSpPr>
+            <a:cxnSpLocks/>
             <a:stCxn id="16" idx="3"/>
             <a:endCxn id="3" idx="3"/>
           </p:cNvCxnSpPr>
@@ -5127,8 +5137,8 @@
         </p:nvCxnSpPr>
         <p:spPr>
           <a:xfrm rot="5400000">
-            <a:off x="4205956" y="1766207"/>
-            <a:ext cx="804221" cy="1843806"/>
+            <a:off x="4281672" y="1841923"/>
+            <a:ext cx="804221" cy="1692375"/>
           </a:xfrm>
           <a:prstGeom prst="bentConnector2">
             <a:avLst/>
@@ -5161,6 +5171,7 @@
         <p:nvCxnSpPr>
           <p:cNvPr id="137" name="Elbow Connector 136"/>
           <p:cNvCxnSpPr>
+            <a:cxnSpLocks/>
             <a:stCxn id="36" idx="2"/>
             <a:endCxn id="37" idx="1"/>
           </p:cNvCxnSpPr>
@@ -5168,8 +5179,8 @@
         </p:nvCxnSpPr>
         <p:spPr>
           <a:xfrm rot="16200000" flipH="1">
-            <a:off x="3430123" y="3938021"/>
-            <a:ext cx="118421" cy="699979"/>
+            <a:off x="3577632" y="4582200"/>
+            <a:ext cx="98397" cy="823540"/>
           </a:xfrm>
           <a:prstGeom prst="bentConnector2">
             <a:avLst/>
@@ -5202,6 +5213,7 @@
         <p:nvCxnSpPr>
           <p:cNvPr id="140" name="Elbow Connector 63"/>
           <p:cNvCxnSpPr>
+            <a:cxnSpLocks/>
             <a:stCxn id="16" idx="3"/>
             <a:endCxn id="36" idx="3"/>
           </p:cNvCxnSpPr>
@@ -5209,8 +5221,8 @@
         </p:nvCxnSpPr>
         <p:spPr>
           <a:xfrm rot="5400000">
-            <a:off x="3695875" y="2276286"/>
-            <a:ext cx="1824381" cy="1843808"/>
+            <a:off x="3413606" y="2709989"/>
+            <a:ext cx="2540352" cy="1692375"/>
           </a:xfrm>
           <a:prstGeom prst="bentConnector2">
             <a:avLst/>
@@ -5300,8 +5312,8 @@
         </p:nvSpPr>
         <p:spPr>
           <a:xfrm>
-            <a:off x="3687515" y="2828802"/>
-            <a:ext cx="3048000" cy="203200"/>
+            <a:off x="3783509" y="2828802"/>
+            <a:ext cx="2952005" cy="149727"/>
           </a:xfrm>
           <a:custGeom>
             <a:avLst/>
@@ -5382,7 +5394,7 @@
         </p:nvSpPr>
         <p:spPr>
           <a:xfrm>
-            <a:off x="5431573" y="4488138"/>
+            <a:off x="5435895" y="5326338"/>
             <a:ext cx="229325" cy="160062"/>
           </a:xfrm>
           <a:prstGeom prst="rect">
@@ -5435,8 +5447,8 @@
         </p:nvSpPr>
         <p:spPr>
           <a:xfrm flipV="1">
-            <a:off x="4114799" y="4472708"/>
-            <a:ext cx="2642195" cy="101600"/>
+            <a:off x="4384477" y="5176439"/>
+            <a:ext cx="2353042" cy="236841"/>
           </a:xfrm>
           <a:custGeom>
             <a:avLst/>
@@ -5506,6 +5518,305 @@
           <a:p>
             <a:pPr algn="ctr"/>
             <a:endParaRPr lang="en-SG"/>
+          </a:p>
+        </p:txBody>
+      </p:sp>
+      <p:sp>
+        <p:nvSpPr>
+          <p:cNvPr id="57" name="Rectangle 11">
+            <a:extLst>
+              <a:ext uri="{FF2B5EF4-FFF2-40B4-BE49-F238E27FC236}">
+                <a16:creationId xmlns:a16="http://schemas.microsoft.com/office/drawing/2014/main" id="{A37F9FEA-1FAD-9145-B9B2-80207A5E8586}"/>
+              </a:ext>
+            </a:extLst>
+          </p:cNvPr>
+          <p:cNvSpPr/>
+          <p:nvPr/>
+        </p:nvSpPr>
+        <p:spPr>
+          <a:xfrm>
+            <a:off x="2590799" y="3649359"/>
+            <a:ext cx="1248524" cy="236841"/>
+          </a:xfrm>
+          <a:prstGeom prst="rect">
+            <a:avLst/>
+          </a:prstGeom>
+          <a:ln w="19050">
+            <a:solidFill>
+              <a:schemeClr val="accent3"/>
+            </a:solidFill>
+          </a:ln>
+          <a:effectLst/>
+        </p:spPr>
+        <p:style>
+          <a:lnRef idx="1">
+            <a:schemeClr val="accent3"/>
+          </a:lnRef>
+          <a:fillRef idx="2">
+            <a:schemeClr val="accent3"/>
+          </a:fillRef>
+          <a:effectRef idx="1">
+            <a:schemeClr val="accent3"/>
+          </a:effectRef>
+          <a:fontRef idx="minor">
+            <a:schemeClr val="dk1"/>
+          </a:fontRef>
+        </p:style>
+        <p:txBody>
+          <a:bodyPr rtlCol="0" anchor="ctr"/>
+          <a:lstStyle/>
+          <a:p>
+            <a:pPr algn="ctr"/>
+            <a:r>
+              <a:rPr lang="en-US" sz="1050" b="1" dirty="0" err="1">
+                <a:solidFill>
+                  <a:schemeClr val="accent3">
+                    <a:lumMod val="75000"/>
+                  </a:schemeClr>
+                </a:solidFill>
+              </a:rPr>
+              <a:t>ModuleDescription</a:t>
+            </a:r>
+            <a:endParaRPr lang="en-SG" sz="1050" b="1" dirty="0">
+              <a:solidFill>
+                <a:schemeClr val="accent3">
+                  <a:lumMod val="75000"/>
+                </a:schemeClr>
+              </a:solidFill>
+            </a:endParaRPr>
+          </a:p>
+        </p:txBody>
+      </p:sp>
+      <p:cxnSp>
+        <p:nvCxnSpPr>
+          <p:cNvPr id="63" name="Elbow Connector 63">
+            <a:extLst>
+              <a:ext uri="{FF2B5EF4-FFF2-40B4-BE49-F238E27FC236}">
+                <a16:creationId xmlns:a16="http://schemas.microsoft.com/office/drawing/2014/main" id="{402A6604-C5AE-704C-8A06-D4B1910371C0}"/>
+              </a:ext>
+            </a:extLst>
+          </p:cNvPr>
+          <p:cNvCxnSpPr>
+            <a:cxnSpLocks/>
+            <a:stCxn id="39" idx="2"/>
+            <a:endCxn id="57" idx="1"/>
+          </p:cNvCxnSpPr>
+          <p:nvPr/>
+        </p:nvCxnSpPr>
+        <p:spPr>
+          <a:xfrm rot="16200000" flipH="1">
+            <a:off x="2053585" y="3230565"/>
+            <a:ext cx="899755" cy="174673"/>
+          </a:xfrm>
+          <a:prstGeom prst="bentConnector2">
+            <a:avLst/>
+          </a:prstGeom>
+          <a:ln w="19050">
+            <a:headEnd type="none" w="med" len="med"/>
+            <a:tailEnd type="arrow" w="med" len="med"/>
+          </a:ln>
+        </p:spPr>
+        <p:style>
+          <a:lnRef idx="1">
+            <a:schemeClr val="accent3"/>
+          </a:lnRef>
+          <a:fillRef idx="0">
+            <a:schemeClr val="accent3"/>
+          </a:fillRef>
+          <a:effectRef idx="0">
+            <a:schemeClr val="accent3"/>
+          </a:effectRef>
+          <a:fontRef idx="minor">
+            <a:schemeClr val="tx1"/>
+          </a:fontRef>
+        </p:style>
+      </p:cxnSp>
+      <p:cxnSp>
+        <p:nvCxnSpPr>
+          <p:cNvPr id="89" name="Elbow Connector 63">
+            <a:extLst>
+              <a:ext uri="{FF2B5EF4-FFF2-40B4-BE49-F238E27FC236}">
+                <a16:creationId xmlns:a16="http://schemas.microsoft.com/office/drawing/2014/main" id="{C0A17B5F-5505-1641-B7FC-ABB00DADCCBE}"/>
+              </a:ext>
+            </a:extLst>
+          </p:cNvPr>
+          <p:cNvCxnSpPr>
+            <a:cxnSpLocks/>
+            <a:stCxn id="16" idx="3"/>
+            <a:endCxn id="57" idx="3"/>
+          </p:cNvCxnSpPr>
+          <p:nvPr/>
+        </p:nvCxnSpPr>
+        <p:spPr>
+          <a:xfrm rot="5400000">
+            <a:off x="3943756" y="2181567"/>
+            <a:ext cx="1481780" cy="1690646"/>
+          </a:xfrm>
+          <a:prstGeom prst="bentConnector2">
+            <a:avLst/>
+          </a:prstGeom>
+          <a:ln w="6350">
+            <a:solidFill>
+              <a:schemeClr val="accent3"/>
+            </a:solidFill>
+            <a:headEnd type="none" w="med" len="med"/>
+            <a:tailEnd type="none" w="med" len="med"/>
+          </a:ln>
+          <a:effectLst/>
+        </p:spPr>
+        <p:style>
+          <a:lnRef idx="1">
+            <a:schemeClr val="accent2"/>
+          </a:lnRef>
+          <a:fillRef idx="2">
+            <a:schemeClr val="accent2"/>
+          </a:fillRef>
+          <a:effectRef idx="1">
+            <a:schemeClr val="accent2"/>
+          </a:effectRef>
+          <a:fontRef idx="minor">
+            <a:schemeClr val="dk1"/>
+          </a:fontRef>
+        </p:style>
+      </p:cxnSp>
+      <p:cxnSp>
+        <p:nvCxnSpPr>
+          <p:cNvPr id="81" name="Straight Arrow Connector 80">
+            <a:extLst>
+              <a:ext uri="{FF2B5EF4-FFF2-40B4-BE49-F238E27FC236}">
+                <a16:creationId xmlns:a16="http://schemas.microsoft.com/office/drawing/2014/main" id="{6A717510-6B77-B24C-B6D8-E786A181A420}"/>
+              </a:ext>
+            </a:extLst>
+          </p:cNvPr>
+          <p:cNvCxnSpPr>
+            <a:cxnSpLocks/>
+            <a:stCxn id="37" idx="0"/>
+            <a:endCxn id="57" idx="2"/>
+          </p:cNvCxnSpPr>
+          <p:nvPr/>
+        </p:nvCxnSpPr>
+        <p:spPr>
+          <a:xfrm rot="16200000" flipV="1">
+            <a:off x="3367783" y="3733478"/>
+            <a:ext cx="1038548" cy="1343992"/>
+          </a:xfrm>
+          <a:prstGeom prst="bentConnector3">
+            <a:avLst>
+              <a:gd name="adj1" fmla="val 68990"/>
+            </a:avLst>
+          </a:prstGeom>
+          <a:ln w="19050">
+            <a:tailEnd type="triangle"/>
+          </a:ln>
+        </p:spPr>
+        <p:style>
+          <a:lnRef idx="1">
+            <a:schemeClr val="accent3"/>
+          </a:lnRef>
+          <a:fillRef idx="0">
+            <a:schemeClr val="accent3"/>
+          </a:fillRef>
+          <a:effectRef idx="0">
+            <a:schemeClr val="accent3"/>
+          </a:effectRef>
+          <a:fontRef idx="minor">
+            <a:schemeClr val="tx1"/>
+          </a:fontRef>
+        </p:style>
+      </p:cxnSp>
+      <p:cxnSp>
+        <p:nvCxnSpPr>
+          <p:cNvPr id="95" name="Straight Arrow Connector 94">
+            <a:extLst>
+              <a:ext uri="{FF2B5EF4-FFF2-40B4-BE49-F238E27FC236}">
+                <a16:creationId xmlns:a16="http://schemas.microsoft.com/office/drawing/2014/main" id="{4EBA43B9-FF6E-8D48-A61D-FBDA3AB9D5C8}"/>
+              </a:ext>
+            </a:extLst>
+          </p:cNvPr>
+          <p:cNvCxnSpPr>
+            <a:stCxn id="34" idx="0"/>
+            <a:endCxn id="57" idx="2"/>
+          </p:cNvCxnSpPr>
+          <p:nvPr/>
+        </p:nvCxnSpPr>
+        <p:spPr>
+          <a:xfrm flipV="1">
+            <a:off x="3215060" y="3886200"/>
+            <a:ext cx="1" cy="491709"/>
+          </a:xfrm>
+          <a:prstGeom prst="straightConnector1">
+            <a:avLst/>
+          </a:prstGeom>
+          <a:ln w="19050">
+            <a:tailEnd type="triangle"/>
+          </a:ln>
+        </p:spPr>
+        <p:style>
+          <a:lnRef idx="1">
+            <a:schemeClr val="accent3"/>
+          </a:lnRef>
+          <a:fillRef idx="0">
+            <a:schemeClr val="accent3"/>
+          </a:fillRef>
+          <a:effectRef idx="0">
+            <a:schemeClr val="accent3"/>
+          </a:effectRef>
+          <a:fontRef idx="minor">
+            <a:schemeClr val="tx1"/>
+          </a:fontRef>
+        </p:style>
+      </p:cxnSp>
+      <p:sp>
+        <p:nvSpPr>
+          <p:cNvPr id="100" name="Isosceles Triangle 102">
+            <a:extLst>
+              <a:ext uri="{FF2B5EF4-FFF2-40B4-BE49-F238E27FC236}">
+                <a16:creationId xmlns:a16="http://schemas.microsoft.com/office/drawing/2014/main" id="{A218792A-354E-3A48-9838-2E5248265FCB}"/>
+              </a:ext>
+            </a:extLst>
+          </p:cNvPr>
+          <p:cNvSpPr/>
+          <p:nvPr/>
+        </p:nvSpPr>
+        <p:spPr>
+          <a:xfrm rot="10800000" flipV="1">
+            <a:off x="3086727" y="3897788"/>
+            <a:ext cx="270504" cy="175523"/>
+          </a:xfrm>
+          <a:prstGeom prst="triangle">
+            <a:avLst/>
+          </a:prstGeom>
+          <a:ln w="19050">
+            <a:solidFill>
+              <a:srgbClr val="00B050"/>
+            </a:solidFill>
+          </a:ln>
+          <a:effectLst/>
+        </p:spPr>
+        <p:style>
+          <a:lnRef idx="1">
+            <a:schemeClr val="accent3"/>
+          </a:lnRef>
+          <a:fillRef idx="2">
+            <a:schemeClr val="accent3"/>
+          </a:fillRef>
+          <a:effectRef idx="1">
+            <a:schemeClr val="accent3"/>
+          </a:effectRef>
+          <a:fontRef idx="minor">
+            <a:schemeClr val="dk1"/>
+          </a:fontRef>
+        </p:style>
+        <p:txBody>
+          <a:bodyPr rtlCol="0" anchor="ctr"/>
+          <a:lstStyle/>
+          <a:p>
+            <a:pPr algn="ctr"/>
+            <a:endParaRPr lang="en-SG" sz="1050" b="1">
+              <a:solidFill>
+                <a:srgbClr val="92D050"/>
+              </a:solidFill>
+            </a:endParaRPr>
           </a:p>
         </p:txBody>
       </p:sp>

--- a/docs/diagrams/UiComponentClassDiagram.pptx
+++ b/docs/diagrams/UiComponentClassDiagram.pptx
@@ -208,7 +208,7 @@
           <a:p>
             <a:fld id="{F5CC4B3F-88C1-4FFA-B1B6-F41C21DC6924}" type="datetimeFigureOut">
               <a:rPr lang="en-US" smtClean="0"/>
-              <a:t>10/29/18</a:t>
+              <a:t>11/12/2018</a:t>
             </a:fld>
             <a:endParaRPr lang="en-US"/>
           </a:p>
@@ -654,7 +654,7 @@
           <a:p>
             <a:fld id="{78C97017-6FC3-485B-9764-EAC9E56C1D49}" type="datetimeFigureOut">
               <a:rPr lang="en-US" smtClean="0"/>
-              <a:t>10/29/18</a:t>
+              <a:t>11/12/2018</a:t>
             </a:fld>
             <a:endParaRPr lang="en-US"/>
           </a:p>
@@ -822,7 +822,7 @@
           <a:p>
             <a:fld id="{78C97017-6FC3-485B-9764-EAC9E56C1D49}" type="datetimeFigureOut">
               <a:rPr lang="en-US" smtClean="0"/>
-              <a:t>10/29/18</a:t>
+              <a:t>11/12/2018</a:t>
             </a:fld>
             <a:endParaRPr lang="en-US"/>
           </a:p>
@@ -1000,7 +1000,7 @@
           <a:p>
             <a:fld id="{78C97017-6FC3-485B-9764-EAC9E56C1D49}" type="datetimeFigureOut">
               <a:rPr lang="en-US" smtClean="0"/>
-              <a:t>10/29/18</a:t>
+              <a:t>11/12/2018</a:t>
             </a:fld>
             <a:endParaRPr lang="en-US"/>
           </a:p>
@@ -1168,7 +1168,7 @@
           <a:p>
             <a:fld id="{78C97017-6FC3-485B-9764-EAC9E56C1D49}" type="datetimeFigureOut">
               <a:rPr lang="en-US" smtClean="0"/>
-              <a:t>10/29/18</a:t>
+              <a:t>11/12/2018</a:t>
             </a:fld>
             <a:endParaRPr lang="en-US"/>
           </a:p>
@@ -1413,7 +1413,7 @@
           <a:p>
             <a:fld id="{78C97017-6FC3-485B-9764-EAC9E56C1D49}" type="datetimeFigureOut">
               <a:rPr lang="en-US" smtClean="0"/>
-              <a:t>10/29/18</a:t>
+              <a:t>11/12/2018</a:t>
             </a:fld>
             <a:endParaRPr lang="en-US"/>
           </a:p>
@@ -1698,7 +1698,7 @@
           <a:p>
             <a:fld id="{78C97017-6FC3-485B-9764-EAC9E56C1D49}" type="datetimeFigureOut">
               <a:rPr lang="en-US" smtClean="0"/>
-              <a:t>10/29/18</a:t>
+              <a:t>11/12/2018</a:t>
             </a:fld>
             <a:endParaRPr lang="en-US"/>
           </a:p>
@@ -2117,7 +2117,7 @@
           <a:p>
             <a:fld id="{78C97017-6FC3-485B-9764-EAC9E56C1D49}" type="datetimeFigureOut">
               <a:rPr lang="en-US" smtClean="0"/>
-              <a:t>10/29/18</a:t>
+              <a:t>11/12/2018</a:t>
             </a:fld>
             <a:endParaRPr lang="en-US"/>
           </a:p>
@@ -2234,7 +2234,7 @@
           <a:p>
             <a:fld id="{78C97017-6FC3-485B-9764-EAC9E56C1D49}" type="datetimeFigureOut">
               <a:rPr lang="en-US" smtClean="0"/>
-              <a:t>10/29/18</a:t>
+              <a:t>11/12/2018</a:t>
             </a:fld>
             <a:endParaRPr lang="en-US"/>
           </a:p>
@@ -2329,7 +2329,7 @@
           <a:p>
             <a:fld id="{78C97017-6FC3-485B-9764-EAC9E56C1D49}" type="datetimeFigureOut">
               <a:rPr lang="en-US" smtClean="0"/>
-              <a:t>10/29/18</a:t>
+              <a:t>11/12/2018</a:t>
             </a:fld>
             <a:endParaRPr lang="en-US"/>
           </a:p>
@@ -2604,7 +2604,7 @@
           <a:p>
             <a:fld id="{78C97017-6FC3-485B-9764-EAC9E56C1D49}" type="datetimeFigureOut">
               <a:rPr lang="en-US" smtClean="0"/>
-              <a:t>10/29/18</a:t>
+              <a:t>11/12/2018</a:t>
             </a:fld>
             <a:endParaRPr lang="en-US"/>
           </a:p>
@@ -2856,7 +2856,7 @@
           <a:p>
             <a:fld id="{78C97017-6FC3-485B-9764-EAC9E56C1D49}" type="datetimeFigureOut">
               <a:rPr lang="en-US" smtClean="0"/>
-              <a:t>10/29/18</a:t>
+              <a:t>11/12/2018</a:t>
             </a:fld>
             <a:endParaRPr lang="en-US"/>
           </a:p>
@@ -3067,7 +3067,7 @@
           <a:p>
             <a:fld id="{78C97017-6FC3-485B-9764-EAC9E56C1D49}" type="datetimeFigureOut">
               <a:rPr lang="en-US" smtClean="0"/>
-              <a:t>10/29/18</a:t>
+              <a:t>11/12/2018</a:t>
             </a:fld>
             <a:endParaRPr lang="en-US"/>
           </a:p>
@@ -3945,7 +3945,7 @@
         </p:nvSpPr>
         <p:spPr>
           <a:xfrm>
-            <a:off x="2592526" y="5152129"/>
+            <a:off x="2589932" y="5486400"/>
             <a:ext cx="1245067" cy="236841"/>
           </a:xfrm>
           <a:prstGeom prst="rect">
@@ -4125,7 +4125,7 @@
         </p:nvSpPr>
         <p:spPr>
           <a:xfrm>
-            <a:off x="2599445" y="5478159"/>
+            <a:off x="2596851" y="5812430"/>
             <a:ext cx="1238148" cy="236841"/>
           </a:xfrm>
           <a:prstGeom prst="rect">
@@ -4423,8 +4423,8 @@
         </p:nvCxnSpPr>
         <p:spPr>
           <a:xfrm rot="16200000" flipH="1">
-            <a:off x="1303064" y="3981087"/>
-            <a:ext cx="2402525" cy="176400"/>
+            <a:off x="1134631" y="4149520"/>
+            <a:ext cx="2736796" cy="173806"/>
           </a:xfrm>
           <a:prstGeom prst="bentConnector2">
             <a:avLst/>
@@ -4464,8 +4464,8 @@
         </p:nvCxnSpPr>
         <p:spPr>
           <a:xfrm rot="16200000" flipH="1">
-            <a:off x="947358" y="3944493"/>
-            <a:ext cx="2908598" cy="395576"/>
+            <a:off x="785466" y="4119466"/>
+            <a:ext cx="3249204" cy="373566"/>
           </a:xfrm>
           <a:prstGeom prst="bentConnector2">
             <a:avLst/>
@@ -4750,8 +4750,8 @@
         </p:nvCxnSpPr>
         <p:spPr>
           <a:xfrm rot="5400000">
-            <a:off x="3191506" y="2932087"/>
-            <a:ext cx="2984550" cy="1692376"/>
+            <a:off x="3023074" y="3097925"/>
+            <a:ext cx="3318821" cy="1694970"/>
           </a:xfrm>
           <a:prstGeom prst="bentConnector2">
             <a:avLst/>
@@ -4792,8 +4792,8 @@
         </p:nvCxnSpPr>
         <p:spPr>
           <a:xfrm rot="5400000">
-            <a:off x="3028491" y="3095102"/>
-            <a:ext cx="3310580" cy="1692376"/>
+            <a:off x="2860059" y="3260940"/>
+            <a:ext cx="3644851" cy="1694970"/>
           </a:xfrm>
           <a:prstGeom prst="bentConnector2">
             <a:avLst/>
@@ -5526,7 +5526,7 @@
           <p:cNvPr id="57" name="Rectangle 11">
             <a:extLst>
               <a:ext uri="{FF2B5EF4-FFF2-40B4-BE49-F238E27FC236}">
-                <a16:creationId xmlns:a16="http://schemas.microsoft.com/office/drawing/2014/main" id="{A37F9FEA-1FAD-9145-B9B2-80207A5E8586}"/>
+                <a16:creationId xmlns:a16="http://schemas.microsoft.com/office/drawing/2014/main" xmlns="" id="{A37F9FEA-1FAD-9145-B9B2-80207A5E8586}"/>
               </a:ext>
             </a:extLst>
           </p:cNvPr>
@@ -5589,54 +5589,10 @@
       </p:sp>
       <p:cxnSp>
         <p:nvCxnSpPr>
-          <p:cNvPr id="63" name="Elbow Connector 63">
-            <a:extLst>
-              <a:ext uri="{FF2B5EF4-FFF2-40B4-BE49-F238E27FC236}">
-                <a16:creationId xmlns:a16="http://schemas.microsoft.com/office/drawing/2014/main" id="{402A6604-C5AE-704C-8A06-D4B1910371C0}"/>
-              </a:ext>
-            </a:extLst>
-          </p:cNvPr>
-          <p:cNvCxnSpPr>
-            <a:cxnSpLocks/>
-            <a:stCxn id="39" idx="2"/>
-            <a:endCxn id="57" idx="1"/>
-          </p:cNvCxnSpPr>
-          <p:nvPr/>
-        </p:nvCxnSpPr>
-        <p:spPr>
-          <a:xfrm rot="16200000" flipH="1">
-            <a:off x="2053585" y="3230565"/>
-            <a:ext cx="899755" cy="174673"/>
-          </a:xfrm>
-          <a:prstGeom prst="bentConnector2">
-            <a:avLst/>
-          </a:prstGeom>
-          <a:ln w="19050">
-            <a:headEnd type="none" w="med" len="med"/>
-            <a:tailEnd type="arrow" w="med" len="med"/>
-          </a:ln>
-        </p:spPr>
-        <p:style>
-          <a:lnRef idx="1">
-            <a:schemeClr val="accent3"/>
-          </a:lnRef>
-          <a:fillRef idx="0">
-            <a:schemeClr val="accent3"/>
-          </a:fillRef>
-          <a:effectRef idx="0">
-            <a:schemeClr val="accent3"/>
-          </a:effectRef>
-          <a:fontRef idx="minor">
-            <a:schemeClr val="tx1"/>
-          </a:fontRef>
-        </p:style>
-      </p:cxnSp>
-      <p:cxnSp>
-        <p:nvCxnSpPr>
           <p:cNvPr id="89" name="Elbow Connector 63">
             <a:extLst>
               <a:ext uri="{FF2B5EF4-FFF2-40B4-BE49-F238E27FC236}">
-                <a16:creationId xmlns:a16="http://schemas.microsoft.com/office/drawing/2014/main" id="{C0A17B5F-5505-1641-B7FC-ABB00DADCCBE}"/>
+                <a16:creationId xmlns:a16="http://schemas.microsoft.com/office/drawing/2014/main" xmlns="" id="{C0A17B5F-5505-1641-B7FC-ABB00DADCCBE}"/>
               </a:ext>
             </a:extLst>
           </p:cNvPr>
@@ -5684,7 +5640,7 @@
           <p:cNvPr id="81" name="Straight Arrow Connector 80">
             <a:extLst>
               <a:ext uri="{FF2B5EF4-FFF2-40B4-BE49-F238E27FC236}">
-                <a16:creationId xmlns:a16="http://schemas.microsoft.com/office/drawing/2014/main" id="{6A717510-6B77-B24C-B6D8-E786A181A420}"/>
+                <a16:creationId xmlns:a16="http://schemas.microsoft.com/office/drawing/2014/main" xmlns="" id="{6A717510-6B77-B24C-B6D8-E786A181A420}"/>
               </a:ext>
             </a:extLst>
           </p:cNvPr>
@@ -5729,7 +5685,7 @@
           <p:cNvPr id="95" name="Straight Arrow Connector 94">
             <a:extLst>
               <a:ext uri="{FF2B5EF4-FFF2-40B4-BE49-F238E27FC236}">
-                <a16:creationId xmlns:a16="http://schemas.microsoft.com/office/drawing/2014/main" id="{4EBA43B9-FF6E-8D48-A61D-FBDA3AB9D5C8}"/>
+                <a16:creationId xmlns:a16="http://schemas.microsoft.com/office/drawing/2014/main" xmlns="" id="{4EBA43B9-FF6E-8D48-A61D-FBDA3AB9D5C8}"/>
               </a:ext>
             </a:extLst>
           </p:cNvPr>
@@ -5771,7 +5727,7 @@
           <p:cNvPr id="100" name="Isosceles Triangle 102">
             <a:extLst>
               <a:ext uri="{FF2B5EF4-FFF2-40B4-BE49-F238E27FC236}">
-                <a16:creationId xmlns:a16="http://schemas.microsoft.com/office/drawing/2014/main" id="{A218792A-354E-3A48-9838-2E5248265FCB}"/>
+                <a16:creationId xmlns:a16="http://schemas.microsoft.com/office/drawing/2014/main" xmlns="" id="{A218792A-354E-3A48-9838-2E5248265FCB}"/>
               </a:ext>
             </a:extLst>
           </p:cNvPr>
@@ -5820,6 +5776,163 @@
           </a:p>
         </p:txBody>
       </p:sp>
+      <p:sp>
+        <p:nvSpPr>
+          <p:cNvPr id="48" name="Rectangle 11">
+            <a:extLst>
+              <a:ext uri="{FF2B5EF4-FFF2-40B4-BE49-F238E27FC236}">
+                <a16:creationId xmlns:a16="http://schemas.microsoft.com/office/drawing/2014/main" xmlns="" id="{6838586F-B750-3847-91C5-BA648D65DE23}"/>
+              </a:ext>
+            </a:extLst>
+          </p:cNvPr>
+          <p:cNvSpPr/>
+          <p:nvPr/>
+        </p:nvSpPr>
+        <p:spPr>
+          <a:xfrm>
+            <a:off x="2592525" y="5148618"/>
+            <a:ext cx="1245067" cy="236841"/>
+          </a:xfrm>
+          <a:prstGeom prst="rect">
+            <a:avLst/>
+          </a:prstGeom>
+          <a:ln w="19050">
+            <a:solidFill>
+              <a:schemeClr val="accent3"/>
+            </a:solidFill>
+          </a:ln>
+          <a:effectLst/>
+        </p:spPr>
+        <p:style>
+          <a:lnRef idx="1">
+            <a:schemeClr val="accent3"/>
+          </a:lnRef>
+          <a:fillRef idx="2">
+            <a:schemeClr val="accent3"/>
+          </a:fillRef>
+          <a:effectRef idx="1">
+            <a:schemeClr val="accent3"/>
+          </a:effectRef>
+          <a:fontRef idx="minor">
+            <a:schemeClr val="dk1"/>
+          </a:fontRef>
+        </p:style>
+        <p:txBody>
+          <a:bodyPr rtlCol="0" anchor="ctr"/>
+          <a:lstStyle/>
+          <a:p>
+            <a:pPr algn="ctr"/>
+            <a:r>
+              <a:rPr lang="en-US" sz="1050" b="1" dirty="0" err="1">
+                <a:solidFill>
+                  <a:schemeClr val="accent3">
+                    <a:lumMod val="75000"/>
+                  </a:schemeClr>
+                </a:solidFill>
+              </a:rPr>
+              <a:t>MultiPurposePanel</a:t>
+            </a:r>
+            <a:endParaRPr lang="en-SG" sz="1050" b="1" dirty="0">
+              <a:solidFill>
+                <a:schemeClr val="accent3">
+                  <a:lumMod val="75000"/>
+                </a:schemeClr>
+              </a:solidFill>
+            </a:endParaRPr>
+          </a:p>
+        </p:txBody>
+      </p:sp>
+      <p:cxnSp>
+        <p:nvCxnSpPr>
+          <p:cNvPr id="52" name="Elbow Connector 63">
+            <a:extLst>
+              <a:ext uri="{FF2B5EF4-FFF2-40B4-BE49-F238E27FC236}">
+                <a16:creationId xmlns:a16="http://schemas.microsoft.com/office/drawing/2014/main" xmlns="" id="{0DB9967D-FBC3-5343-9F93-F8748F9246FF}"/>
+              </a:ext>
+            </a:extLst>
+          </p:cNvPr>
+          <p:cNvCxnSpPr>
+            <a:cxnSpLocks/>
+            <a:stCxn id="39" idx="2"/>
+            <a:endCxn id="48" idx="1"/>
+          </p:cNvCxnSpPr>
+          <p:nvPr/>
+        </p:nvCxnSpPr>
+        <p:spPr>
+          <a:xfrm rot="16200000" flipH="1">
+            <a:off x="1304818" y="3979332"/>
+            <a:ext cx="2399014" cy="176399"/>
+          </a:xfrm>
+          <a:prstGeom prst="bentConnector2">
+            <a:avLst/>
+          </a:prstGeom>
+          <a:ln w="19050">
+            <a:solidFill>
+              <a:schemeClr val="accent3"/>
+            </a:solidFill>
+            <a:headEnd type="none" w="med" len="med"/>
+            <a:tailEnd type="arrow" w="med" len="med"/>
+          </a:ln>
+          <a:effectLst/>
+        </p:spPr>
+        <p:style>
+          <a:lnRef idx="1">
+            <a:schemeClr val="accent2"/>
+          </a:lnRef>
+          <a:fillRef idx="2">
+            <a:schemeClr val="accent2"/>
+          </a:fillRef>
+          <a:effectRef idx="1">
+            <a:schemeClr val="accent2"/>
+          </a:effectRef>
+          <a:fontRef idx="minor">
+            <a:schemeClr val="dk1"/>
+          </a:fontRef>
+        </p:style>
+      </p:cxnSp>
+      <p:cxnSp>
+        <p:nvCxnSpPr>
+          <p:cNvPr id="49" name="Elbow Connector 63"/>
+          <p:cNvCxnSpPr>
+            <a:cxnSpLocks/>
+            <a:stCxn id="16" idx="3"/>
+          </p:cNvCxnSpPr>
+          <p:nvPr/>
+        </p:nvCxnSpPr>
+        <p:spPr>
+          <a:xfrm rot="5400000">
+            <a:off x="3207896" y="2926205"/>
+            <a:ext cx="2962279" cy="1681868"/>
+          </a:xfrm>
+          <a:prstGeom prst="bentConnector3">
+            <a:avLst>
+              <a:gd name="adj1" fmla="val 100482"/>
+            </a:avLst>
+          </a:prstGeom>
+          <a:ln w="6350">
+            <a:solidFill>
+              <a:schemeClr val="accent3"/>
+            </a:solidFill>
+            <a:headEnd type="none" w="med" len="med"/>
+            <a:tailEnd type="none" w="med" len="med"/>
+          </a:ln>
+          <a:effectLst/>
+        </p:spPr>
+        <p:style>
+          <a:lnRef idx="1">
+            <a:schemeClr val="accent2"/>
+          </a:lnRef>
+          <a:fillRef idx="2">
+            <a:schemeClr val="accent2"/>
+          </a:fillRef>
+          <a:effectRef idx="1">
+            <a:schemeClr val="accent2"/>
+          </a:effectRef>
+          <a:fontRef idx="minor">
+            <a:schemeClr val="dk1"/>
+          </a:fontRef>
+        </p:style>
+      </p:cxnSp>
     </p:spTree>
     <p:extLst>
       <p:ext uri="{BB962C8B-B14F-4D97-AF65-F5344CB8AC3E}">
